--- a/Relationship trong Laravel.pptx
+++ b/Relationship trong Laravel.pptx
@@ -123,7 +123,7 @@
   </p:defaultTextStyle>
   <p:extLst>
     <p:ext uri="{EFAFB233-063F-42B5-8137-9DF3F51BA10A}">
-      <p15:sldGuideLst xmlns:p15="http://schemas.microsoft.com/office/powerpoint/2012/main" xmlns=""/>
+      <p15:sldGuideLst xmlns="" xmlns:p15="http://schemas.microsoft.com/office/powerpoint/2012/main"/>
     </p:ext>
   </p:extLst>
 </p:presentation>
@@ -403,7 +403,7 @@
           <a:p>
             <a:fld id="{78ABE3C1-DBE1-495D-B57B-2849774B866A}" type="datetimeFigureOut">
               <a:rPr lang="en-US" dirty="0"/>
-              <a:t>6/26/2020</a:t>
+              <a:t>7/10/2020</a:t>
             </a:fld>
             <a:endParaRPr lang="en-US" dirty="0"/>
           </a:p>
@@ -812,7 +812,7 @@
           <a:p>
             <a:fld id="{446C117F-5CCF-4837-BE5F-2B92066CAFAF}" type="datetimeFigureOut">
               <a:rPr lang="en-US" dirty="0"/>
-              <a:t>6/26/2020</a:t>
+              <a:t>7/10/2020</a:t>
             </a:fld>
             <a:endParaRPr lang="en-US" dirty="0"/>
           </a:p>
@@ -1143,7 +1143,7 @@
           <a:p>
             <a:fld id="{84EB90BD-B6CE-46B7-997F-7313B992CCDC}" type="datetimeFigureOut">
               <a:rPr lang="en-US" dirty="0"/>
-              <a:t>6/26/2020</a:t>
+              <a:t>7/10/2020</a:t>
             </a:fld>
             <a:endParaRPr lang="en-US" dirty="0"/>
           </a:p>
@@ -1543,7 +1543,7 @@
           <a:p>
             <a:fld id="{CDB9D11F-B188-461D-B23F-39381795C052}" type="datetimeFigureOut">
               <a:rPr lang="en-US" dirty="0"/>
-              <a:t>6/26/2020</a:t>
+              <a:t>7/10/2020</a:t>
             </a:fld>
             <a:endParaRPr lang="en-US" dirty="0"/>
           </a:p>
@@ -2106,7 +2106,7 @@
           <a:p>
             <a:fld id="{52E6D8D9-55A2-4063-B0F3-121F44549695}" type="datetimeFigureOut">
               <a:rPr lang="en-US" dirty="0"/>
-              <a:t>6/26/2020</a:t>
+              <a:t>7/10/2020</a:t>
             </a:fld>
             <a:endParaRPr lang="en-US" dirty="0"/>
           </a:p>
@@ -2782,7 +2782,7 @@
           <a:p>
             <a:fld id="{D4B24536-994D-4021-A283-9F449C0DB509}" type="datetimeFigureOut">
               <a:rPr lang="en-US" dirty="0"/>
-              <a:t>6/26/2020</a:t>
+              <a:t>7/10/2020</a:t>
             </a:fld>
             <a:endParaRPr lang="en-US" dirty="0"/>
           </a:p>
@@ -3690,7 +3690,7 @@
           <a:p>
             <a:fld id="{3CBBBB78-C96F-47B7-AB17-D852CA960AC9}" type="datetimeFigureOut">
               <a:rPr lang="en-US" dirty="0"/>
-              <a:t>6/26/2020</a:t>
+              <a:t>7/10/2020</a:t>
             </a:fld>
             <a:endParaRPr lang="en-US" dirty="0"/>
           </a:p>
@@ -3998,7 +3998,7 @@
           <a:p>
             <a:fld id="{1FA3F48C-C7C6-4055-9F49-3777875E72AE}" type="datetimeFigureOut">
               <a:rPr lang="en-US" dirty="0"/>
-              <a:t>6/26/2020</a:t>
+              <a:t>7/10/2020</a:t>
             </a:fld>
             <a:endParaRPr lang="en-US" dirty="0"/>
           </a:p>
@@ -4257,7 +4257,7 @@
           <a:p>
             <a:fld id="{6178E61D-D431-422C-9764-11DAFE33AB63}" type="datetimeFigureOut">
               <a:rPr lang="en-US" dirty="0"/>
-              <a:t>6/26/2020</a:t>
+              <a:t>7/10/2020</a:t>
             </a:fld>
             <a:endParaRPr lang="en-US" dirty="0"/>
           </a:p>
@@ -4576,7 +4576,7 @@
           <a:p>
             <a:fld id="{12DE42F4-6EEF-4EF7-8ED4-2208F0F89A08}" type="datetimeFigureOut">
               <a:rPr lang="en-US" dirty="0"/>
-              <a:t>6/26/2020</a:t>
+              <a:t>7/10/2020</a:t>
             </a:fld>
             <a:endParaRPr lang="en-US" dirty="0"/>
           </a:p>
@@ -4960,7 +4960,7 @@
           <a:p>
             <a:fld id="{30578ACC-22D6-47C1-A373-4FD133E34F3C}" type="datetimeFigureOut">
               <a:rPr lang="en-US" dirty="0"/>
-              <a:t>6/26/2020</a:t>
+              <a:t>7/10/2020</a:t>
             </a:fld>
             <a:endParaRPr lang="en-US" dirty="0"/>
           </a:p>
@@ -5331,7 +5331,7 @@
           <a:p>
             <a:fld id="{4E5A6C69-6797-4E8A-BF37-F2C3751466E9}" type="datetimeFigureOut">
               <a:rPr lang="en-US" dirty="0"/>
-              <a:t>6/26/2020</a:t>
+              <a:t>7/10/2020</a:t>
             </a:fld>
             <a:endParaRPr lang="en-US" dirty="0"/>
           </a:p>
@@ -5832,7 +5832,7 @@
           <a:p>
             <a:fld id="{D82014A1-A632-4878-A0D3-F52BA7563730}" type="datetimeFigureOut">
               <a:rPr lang="en-US" dirty="0"/>
-              <a:t>6/26/2020</a:t>
+              <a:t>7/10/2020</a:t>
             </a:fld>
             <a:endParaRPr lang="en-US" dirty="0"/>
           </a:p>
@@ -6084,7 +6084,7 @@
           <a:p>
             <a:fld id="{CE99F462-093F-4566-844B-4C71F2739DA5}" type="datetimeFigureOut">
               <a:rPr lang="en-US" dirty="0"/>
-              <a:t>6/26/2020</a:t>
+              <a:t>7/10/2020</a:t>
             </a:fld>
             <a:endParaRPr lang="en-US" dirty="0"/>
           </a:p>
@@ -6242,7 +6242,7 @@
           <a:p>
             <a:fld id="{3D24A7AC-904D-4781-85BA-7D10C17ED021}" type="datetimeFigureOut">
               <a:rPr lang="en-US" dirty="0"/>
-              <a:t>6/26/2020</a:t>
+              <a:t>7/10/2020</a:t>
             </a:fld>
             <a:endParaRPr lang="en-US" dirty="0"/>
           </a:p>
@@ -6627,7 +6627,7 @@
           <a:p>
             <a:fld id="{E331444B-B92B-4E27-8C94-BB93EAF5CB18}" type="datetimeFigureOut">
               <a:rPr lang="en-US" dirty="0"/>
-              <a:t>6/26/2020</a:t>
+              <a:t>7/10/2020</a:t>
             </a:fld>
             <a:endParaRPr lang="en-US" dirty="0"/>
           </a:p>
@@ -7031,7 +7031,7 @@
           <a:p>
             <a:fld id="{363EFA5E-FA76-400D-B3DC-F0BA90E6D107}" type="datetimeFigureOut">
               <a:rPr lang="en-US" dirty="0"/>
-              <a:t>6/26/2020</a:t>
+              <a:t>7/10/2020</a:t>
             </a:fld>
             <a:endParaRPr lang="en-US" dirty="0"/>
           </a:p>
@@ -7270,7 +7270,7 @@
           <a:p>
             <a:fld id="{9D6E9DEC-419B-4CC5-A080-3B06BD5A8291}" type="datetimeFigureOut">
               <a:rPr lang="en-US" dirty="0"/>
-              <a:t>6/26/2020</a:t>
+              <a:t>7/10/2020</a:t>
             </a:fld>
             <a:endParaRPr lang="en-US" dirty="0"/>
           </a:p>
@@ -17530,21 +17530,21 @@
                 <a:gridCol w="3070574">
                   <a:extLst>
                     <a:ext uri="{9D8B030D-6E8A-4147-A177-3AD203B41FA5}">
-                      <a16:colId xmlns:a16="http://schemas.microsoft.com/office/drawing/2014/main" xmlns="" val="2441842200"/>
+                      <a16:colId xmlns="" xmlns:a16="http://schemas.microsoft.com/office/drawing/2014/main" val="2441842200"/>
                     </a:ext>
                   </a:extLst>
                 </a:gridCol>
                 <a:gridCol w="3070574">
                   <a:extLst>
                     <a:ext uri="{9D8B030D-6E8A-4147-A177-3AD203B41FA5}">
-                      <a16:colId xmlns:a16="http://schemas.microsoft.com/office/drawing/2014/main" xmlns="" val="2433549860"/>
+                      <a16:colId xmlns="" xmlns:a16="http://schemas.microsoft.com/office/drawing/2014/main" val="2433549860"/>
                     </a:ext>
                   </a:extLst>
                 </a:gridCol>
                 <a:gridCol w="3070574">
                   <a:extLst>
                     <a:ext uri="{9D8B030D-6E8A-4147-A177-3AD203B41FA5}">
-                      <a16:colId xmlns:a16="http://schemas.microsoft.com/office/drawing/2014/main" xmlns="" val="171672261"/>
+                      <a16:colId xmlns="" xmlns:a16="http://schemas.microsoft.com/office/drawing/2014/main" val="171672261"/>
                     </a:ext>
                   </a:extLst>
                 </a:gridCol>
@@ -17594,7 +17594,7 @@
                 </a:tc>
                 <a:extLst>
                   <a:ext uri="{0D108BD9-81ED-4DB2-BD59-A6C34878D82A}">
-                    <a16:rowId xmlns:a16="http://schemas.microsoft.com/office/drawing/2014/main" xmlns="" val="3309017391"/>
+                    <a16:rowId xmlns="" xmlns:a16="http://schemas.microsoft.com/office/drawing/2014/main" val="3309017391"/>
                   </a:ext>
                 </a:extLst>
               </a:tr>
@@ -17643,7 +17643,7 @@
                 </a:tc>
                 <a:extLst>
                   <a:ext uri="{0D108BD9-81ED-4DB2-BD59-A6C34878D82A}">
-                    <a16:rowId xmlns:a16="http://schemas.microsoft.com/office/drawing/2014/main" xmlns="" val="2987432998"/>
+                    <a16:rowId xmlns="" xmlns:a16="http://schemas.microsoft.com/office/drawing/2014/main" val="2987432998"/>
                   </a:ext>
                 </a:extLst>
               </a:tr>
@@ -17692,7 +17692,7 @@
                 </a:tc>
                 <a:extLst>
                   <a:ext uri="{0D108BD9-81ED-4DB2-BD59-A6C34878D82A}">
-                    <a16:rowId xmlns:a16="http://schemas.microsoft.com/office/drawing/2014/main" xmlns="" val="3693636750"/>
+                    <a16:rowId xmlns="" xmlns:a16="http://schemas.microsoft.com/office/drawing/2014/main" val="3693636750"/>
                   </a:ext>
                 </a:extLst>
               </a:tr>
@@ -17741,7 +17741,7 @@
                 </a:tc>
                 <a:extLst>
                   <a:ext uri="{0D108BD9-81ED-4DB2-BD59-A6C34878D82A}">
-                    <a16:rowId xmlns:a16="http://schemas.microsoft.com/office/drawing/2014/main" xmlns="" val="3714861214"/>
+                    <a16:rowId xmlns="" xmlns:a16="http://schemas.microsoft.com/office/drawing/2014/main" val="3714861214"/>
                   </a:ext>
                 </a:extLst>
               </a:tr>
@@ -25284,7 +25284,7 @@
   <a:extraClrSchemeLst/>
   <a:extLst>
     <a:ext uri="{05A4C25C-085E-4340-85A3-A5531E510DB2}">
-      <thm15:themeFamily xmlns:thm15="http://schemas.microsoft.com/office/thememl/2012/main" xmlns="" name="Berlin" id="{7B5DBA9E-B069-418E-9360-A61BDD0615A4}" vid="{C0CBE056-4EF4-4D92-969E-947779DA7AAA}"/>
+      <thm15:themeFamily xmlns="" xmlns:thm15="http://schemas.microsoft.com/office/thememl/2012/main" name="Berlin" id="{7B5DBA9E-B069-418E-9360-A61BDD0615A4}" vid="{C0CBE056-4EF4-4D92-969E-947779DA7AAA}"/>
     </a:ext>
   </a:extLst>
 </a:theme>
